--- a/presentations/PostgreSQL Ecosystem - CHI_PUG 20191016.pptx
+++ b/presentations/PostgreSQL Ecosystem - CHI_PUG 20191016.pptx
@@ -126,11 +126,11 @@
 <file path=ppt/revisionInfo.xml><?xml version="1.0" encoding="utf-8"?>
 <p1510:revInfo xmlns:a="http://schemas.openxmlformats.org/drawingml/2006/main" xmlns:r="http://schemas.openxmlformats.org/officeDocument/2006/relationships" xmlns:p1510="http://schemas.microsoft.com/office/powerpoint/2015/10/main">
   <p1510:revLst>
+    <p1510:client id="{EB327ACC-6103-4F3C-BADC-19C004B8B6AB}" v="223" dt="2019-10-12T17:56:51.526"/>
+    <p1510:client id="{A7D2D6F1-1A9C-41BA-BEC8-5EEDFA504D7A}" v="6" dt="2019-10-12T17:31:06.172"/>
+    <p1510:client id="{97C81DE3-F807-4AD1-ADE4-8194DBD6143E}" v="16" dt="2019-10-12T15:47:55.104"/>
     <p1510:client id="{31583C53-8316-4008-B037-CBD950A86933}" v="161" dt="2019-10-12T21:10:40.855"/>
     <p1510:client id="{5B852E80-40A8-423D-9C38-25C2663430E2}" v="3" dt="2019-10-12T18:14:35.004"/>
-    <p1510:client id="{97C81DE3-F807-4AD1-ADE4-8194DBD6143E}" v="16" dt="2019-10-12T15:47:55.104"/>
-    <p1510:client id="{A7D2D6F1-1A9C-41BA-BEC8-5EEDFA504D7A}" v="6" dt="2019-10-12T17:31:06.172"/>
-    <p1510:client id="{EB327ACC-6103-4F3C-BADC-19C004B8B6AB}" v="223" dt="2019-10-12T17:56:51.526"/>
   </p1510:revLst>
 </p1510:revInfo>
 </file>
@@ -3790,7 +3790,11 @@
             </a:lnSpc>
           </a:pPr>
           <a:r>
-            <a:rPr lang="en-US"/>
+            <a:rPr lang="en-US" b="1" dirty="0">
+              <a:solidFill>
+                <a:srgbClr val="FF0000"/>
+              </a:solidFill>
+            </a:rPr>
             <a:t>Share back to the PostgreSQL community.</a:t>
           </a:r>
         </a:p>
@@ -4042,7 +4046,7 @@
   <dgm:whole/>
   <dgm:extLst>
     <a:ext uri="http://schemas.microsoft.com/office/drawing/2008/diagram">
-      <dsp:dataModelExt xmlns:dsp="http://schemas.microsoft.com/office/drawing/2008/diagram" relId="rId6" minVer="http://schemas.openxmlformats.org/drawingml/2006/diagram"/>
+      <dsp:dataModelExt xmlns:dsp="http://schemas.microsoft.com/office/drawing/2008/diagram" relId="rId7" minVer="http://schemas.openxmlformats.org/drawingml/2006/diagram"/>
     </a:ext>
   </dgm:extLst>
 </dgm:dataModel>
@@ -6065,7 +6069,11 @@
             <a:buNone/>
           </a:pPr>
           <a:r>
-            <a:rPr lang="en-US" sz="1700" kern="1200"/>
+            <a:rPr lang="en-US" sz="1700" b="1" kern="1200" dirty="0">
+              <a:solidFill>
+                <a:srgbClr val="FF0000"/>
+              </a:solidFill>
+            </a:rPr>
             <a:t>Share back to the PostgreSQL community.</a:t>
           </a:r>
         </a:p>
@@ -13138,7 +13146,7 @@
           <a:p>
             <a:fld id="{028CA617-58E1-446C-A168-DB88E1DFC97F}" type="datetimeFigureOut">
               <a:rPr lang="en-US" smtClean="0"/>
-              <a:t>10/12/2019</a:t>
+              <a:t>10/15/2019</a:t>
             </a:fld>
             <a:endParaRPr lang="en-US"/>
           </a:p>
@@ -13451,19 +13459,37 @@
           <a:p>
             <a:r>
               <a:rPr lang="en-US" dirty="0"/>
-              <a:t>Save in Google Drive</a:t>
+              <a:t>Thank you for the opportunity.</a:t>
             </a:r>
           </a:p>
           <a:p>
             <a:r>
               <a:rPr lang="en-US" dirty="0"/>
-              <a:t>Email to Hettie for Review</a:t>
+              <a:t>Smile</a:t>
             </a:r>
           </a:p>
           <a:p>
             <a:r>
               <a:rPr lang="en-US" dirty="0"/>
-              <a:t>Ask Hettie how to share.  Do I need HDMI cable from DisplayPort</a:t>
+              <a:t>Confidence</a:t>
+            </a:r>
+          </a:p>
+          <a:p>
+            <a:r>
+              <a:rPr lang="en-US" dirty="0"/>
+              <a:t>Quick Presentation</a:t>
+            </a:r>
+          </a:p>
+          <a:p>
+            <a:r>
+              <a:rPr lang="en-US" dirty="0"/>
+              <a:t>Introduce concept</a:t>
+            </a:r>
+          </a:p>
+          <a:p>
+            <a:r>
+              <a:rPr lang="en-US" dirty="0"/>
+              <a:t>Follow up later</a:t>
             </a:r>
           </a:p>
         </p:txBody>
@@ -13505,6 +13531,93 @@
 </file>
 
 <file path=ppt/notesSlides/notesSlide2.xml><?xml version="1.0" encoding="utf-8"?>
+<p:notes xmlns:a="http://schemas.openxmlformats.org/drawingml/2006/main" xmlns:r="http://schemas.openxmlformats.org/officeDocument/2006/relationships" xmlns:p="http://schemas.openxmlformats.org/presentationml/2006/main">
+  <p:cSld>
+    <p:spTree>
+      <p:nvGrpSpPr>
+        <p:cNvPr id="1" name=""/>
+        <p:cNvGrpSpPr/>
+        <p:nvPr/>
+      </p:nvGrpSpPr>
+      <p:grpSpPr>
+        <a:xfrm>
+          <a:off x="0" y="0"/>
+          <a:ext cx="0" cy="0"/>
+          <a:chOff x="0" y="0"/>
+          <a:chExt cx="0" cy="0"/>
+        </a:xfrm>
+      </p:grpSpPr>
+      <p:sp>
+        <p:nvSpPr>
+          <p:cNvPr id="2" name="Slide Image Placeholder 1"/>
+          <p:cNvSpPr>
+            <a:spLocks noGrp="1" noRot="1" noChangeAspect="1"/>
+          </p:cNvSpPr>
+          <p:nvPr>
+            <p:ph type="sldImg"/>
+          </p:nvPr>
+        </p:nvSpPr>
+        <p:spPr/>
+      </p:sp>
+      <p:sp>
+        <p:nvSpPr>
+          <p:cNvPr id="3" name="Notes Placeholder 2"/>
+          <p:cNvSpPr>
+            <a:spLocks noGrp="1"/>
+          </p:cNvSpPr>
+          <p:nvPr>
+            <p:ph type="body" idx="1"/>
+          </p:nvPr>
+        </p:nvSpPr>
+        <p:spPr/>
+        <p:txBody>
+          <a:bodyPr/>
+          <a:lstStyle/>
+          <a:p>
+            <a:r>
+              <a:rPr lang="en-US" dirty="0"/>
+              <a:t>Special thank you to this Chicago PUG, Hettie, all of you for helping me with some of the questions I had as I was going through this journey of help the company adopt PostgreSQL.</a:t>
+            </a:r>
+          </a:p>
+        </p:txBody>
+      </p:sp>
+      <p:sp>
+        <p:nvSpPr>
+          <p:cNvPr id="4" name="Slide Number Placeholder 3"/>
+          <p:cNvSpPr>
+            <a:spLocks noGrp="1"/>
+          </p:cNvSpPr>
+          <p:nvPr>
+            <p:ph type="sldNum" sz="quarter" idx="5"/>
+          </p:nvPr>
+        </p:nvSpPr>
+        <p:spPr/>
+        <p:txBody>
+          <a:bodyPr/>
+          <a:lstStyle/>
+          <a:p>
+            <a:fld id="{C44392DA-9304-4E25-AFF9-83D7316FCDBD}" type="slidenum">
+              <a:rPr lang="en-US" smtClean="0"/>
+              <a:t>3</a:t>
+            </a:fld>
+            <a:endParaRPr lang="en-US"/>
+          </a:p>
+        </p:txBody>
+      </p:sp>
+    </p:spTree>
+    <p:extLst>
+      <p:ext uri="{BB962C8B-B14F-4D97-AF65-F5344CB8AC3E}">
+        <p14:creationId xmlns:p14="http://schemas.microsoft.com/office/powerpoint/2010/main" val="2537404917"/>
+      </p:ext>
+    </p:extLst>
+  </p:cSld>
+  <p:clrMapOvr>
+    <a:masterClrMapping/>
+  </p:clrMapOvr>
+</p:notes>
+</file>
+
+<file path=ppt/notesSlides/notesSlide3.xml><?xml version="1.0" encoding="utf-8"?>
 <p:notes xmlns:a="http://schemas.openxmlformats.org/drawingml/2006/main" xmlns:r="http://schemas.openxmlformats.org/officeDocument/2006/relationships" xmlns:p="http://schemas.openxmlformats.org/presentationml/2006/main">
   <p:cSld>
     <p:spTree>
@@ -13615,7 +13728,7 @@
 </p:notes>
 </file>
 
-<file path=ppt/notesSlides/notesSlide3.xml><?xml version="1.0" encoding="utf-8"?>
+<file path=ppt/notesSlides/notesSlide4.xml><?xml version="1.0" encoding="utf-8"?>
 <p:notes xmlns:a="http://schemas.openxmlformats.org/drawingml/2006/main" xmlns:r="http://schemas.openxmlformats.org/officeDocument/2006/relationships" xmlns:p="http://schemas.openxmlformats.org/presentationml/2006/main">
   <p:cSld>
     <p:spTree>
@@ -13830,7 +13943,7 @@
           <a:p>
             <a:fld id="{B933D6CE-3AC0-484B-B793-D00532E29441}" type="datetime1">
               <a:rPr lang="en-US" smtClean="0"/>
-              <a:t>10/12/2019</a:t>
+              <a:t>10/15/2019</a:t>
             </a:fld>
             <a:endParaRPr lang="en-US"/>
           </a:p>
@@ -14003,7 +14116,7 @@
           <a:p>
             <a:fld id="{C81D0197-981B-4BD3-9B78-B20F5A221347}" type="datetime1">
               <a:rPr lang="en-US" smtClean="0"/>
-              <a:t>10/12/2019</a:t>
+              <a:t>10/15/2019</a:t>
             </a:fld>
             <a:endParaRPr lang="en-US"/>
           </a:p>
@@ -14186,7 +14299,7 @@
           <a:p>
             <a:fld id="{3420F933-1E65-49BC-B568-1ED775184E37}" type="datetime1">
               <a:rPr lang="en-US" smtClean="0"/>
-              <a:t>10/12/2019</a:t>
+              <a:t>10/15/2019</a:t>
             </a:fld>
             <a:endParaRPr lang="en-US"/>
           </a:p>
@@ -14364,7 +14477,7 @@
           <a:p>
             <a:fld id="{1C17DBA5-8831-4BCB-871F-25599D24779A}" type="datetime1">
               <a:rPr lang="en-US" smtClean="0"/>
-              <a:t>10/12/2019</a:t>
+              <a:t>10/15/2019</a:t>
             </a:fld>
             <a:endParaRPr lang="en-US"/>
           </a:p>
@@ -14614,7 +14727,7 @@
           <a:p>
             <a:fld id="{0DC3B89C-D39F-4D4E-8340-F2AD363FF40A}" type="datetime1">
               <a:rPr lang="en-US" smtClean="0"/>
-              <a:t>10/12/2019</a:t>
+              <a:t>10/15/2019</a:t>
             </a:fld>
             <a:endParaRPr lang="en-US"/>
           </a:p>
@@ -14849,7 +14962,7 @@
           <a:p>
             <a:fld id="{0C2FBC1F-FFF1-4971-A8EF-8AFCC2E80BA5}" type="datetime1">
               <a:rPr lang="en-US" smtClean="0"/>
-              <a:t>10/12/2019</a:t>
+              <a:t>10/15/2019</a:t>
             </a:fld>
             <a:endParaRPr lang="en-US"/>
           </a:p>
@@ -15219,7 +15332,7 @@
           <a:p>
             <a:fld id="{05CBB7E9-CEFE-4690-B2F7-89B64B9C8D05}" type="datetime1">
               <a:rPr lang="en-US" smtClean="0"/>
-              <a:t>10/12/2019</a:t>
+              <a:t>10/15/2019</a:t>
             </a:fld>
             <a:endParaRPr lang="en-US"/>
           </a:p>
@@ -15340,7 +15453,7 @@
           <a:p>
             <a:fld id="{11B7F0AC-77A6-4351-88E1-2994ACAD053D}" type="datetime1">
               <a:rPr lang="en-US" smtClean="0"/>
-              <a:t>10/12/2019</a:t>
+              <a:t>10/15/2019</a:t>
             </a:fld>
             <a:endParaRPr lang="en-US"/>
           </a:p>
@@ -15438,7 +15551,7 @@
           <a:p>
             <a:fld id="{F848E383-8D31-4A85-87ED-16F4CE79AB19}" type="datetime1">
               <a:rPr lang="en-US" smtClean="0"/>
-              <a:t>10/12/2019</a:t>
+              <a:t>10/15/2019</a:t>
             </a:fld>
             <a:endParaRPr lang="en-US"/>
           </a:p>
@@ -15718,7 +15831,7 @@
           <a:p>
             <a:fld id="{F6A3C573-6871-4841-8262-EDC079328CD2}" type="datetime1">
               <a:rPr lang="en-US" smtClean="0"/>
-              <a:t>10/12/2019</a:t>
+              <a:t>10/15/2019</a:t>
             </a:fld>
             <a:endParaRPr lang="en-US"/>
           </a:p>
@@ -15978,7 +16091,7 @@
           <a:p>
             <a:fld id="{1F1E42EA-600D-425B-9333-E4962AF29565}" type="datetime1">
               <a:rPr lang="en-US" smtClean="0"/>
-              <a:t>10/12/2019</a:t>
+              <a:t>10/15/2019</a:t>
             </a:fld>
             <a:endParaRPr lang="en-US"/>
           </a:p>
@@ -16194,7 +16307,7 @@
           <a:p>
             <a:fld id="{E55EE13D-2EB8-44BD-97AF-2E5D78A26B2C}" type="datetime1">
               <a:rPr lang="en-US" smtClean="0"/>
-              <a:t>10/12/2019</a:t>
+              <a:t>10/15/2019</a:t>
             </a:fld>
             <a:endParaRPr lang="en-US"/>
           </a:p>
@@ -16692,7 +16805,7 @@
           <a:p>
             <a:pPr algn="r"/>
             <a:r>
-              <a:rPr lang="en-US" sz="1600" dirty="0">
+              <a:rPr lang="en-US" sz="1600" b="1" dirty="0">
                 <a:solidFill>
                   <a:schemeClr val="accent1"/>
                 </a:solidFill>
@@ -16980,7 +17093,7 @@
           <a:p>
             <a:fld id="{EF2098D3-2271-454F-8FFF-93DDB5DEC136}" type="datetime1">
               <a:rPr lang="en-US" smtClean="0"/>
-              <a:t>10/12/2019</a:t>
+              <a:t>10/15/2019</a:t>
             </a:fld>
             <a:endParaRPr lang="en-US"/>
           </a:p>
@@ -17058,7 +17171,7 @@
 </file>
 
 <file path=ppt/slides/slide3.xml><?xml version="1.0" encoding="utf-8"?>
-<p:sld xmlns:a="http://schemas.openxmlformats.org/drawingml/2006/main" xmlns:r="http://schemas.openxmlformats.org/officeDocument/2006/relationships" xmlns:p="http://schemas.openxmlformats.org/presentationml/2006/main" show="0">
+<p:sld xmlns:a="http://schemas.openxmlformats.org/drawingml/2006/main" xmlns:r="http://schemas.openxmlformats.org/officeDocument/2006/relationships" xmlns:p="http://schemas.openxmlformats.org/presentationml/2006/main">
   <p:cSld>
     <p:bg>
       <p:bgPr>
@@ -17128,7 +17241,7 @@
             <p:ph idx="1"/>
             <p:extLst>
               <p:ext uri="{D42A27DB-BD31-4B8C-83A1-F6EECF244321}">
-                <p14:modId xmlns:p14="http://schemas.microsoft.com/office/powerpoint/2010/main" val="3051729191"/>
+                <p14:modId xmlns:p14="http://schemas.microsoft.com/office/powerpoint/2010/main" val="1259319227"/>
               </p:ext>
             </p:extLst>
           </p:nvPr>
@@ -17139,7 +17252,7 @@
         </p:xfrm>
         <a:graphic>
           <a:graphicData uri="http://schemas.openxmlformats.org/drawingml/2006/diagram">
-            <dgm:relIds xmlns:dgm="http://schemas.openxmlformats.org/drawingml/2006/diagram" xmlns:r="http://schemas.openxmlformats.org/officeDocument/2006/relationships" r:dm="rId2" r:lo="rId3" r:qs="rId4" r:cs="rId5"/>
+            <dgm:relIds xmlns:dgm="http://schemas.openxmlformats.org/drawingml/2006/diagram" xmlns:r="http://schemas.openxmlformats.org/officeDocument/2006/relationships" r:dm="rId3" r:lo="rId4" r:qs="rId5" r:cs="rId6"/>
           </a:graphicData>
         </a:graphic>
       </p:graphicFrame>
@@ -17166,7 +17279,7 @@
           <a:p>
             <a:fld id="{68534B68-3E67-4E31-976E-306DB2892BE7}" type="datetime1">
               <a:rPr lang="en-US" smtClean="0"/>
-              <a:t>10/12/2019</a:t>
+              <a:t>10/15/2019</a:t>
             </a:fld>
             <a:endParaRPr lang="en-US"/>
           </a:p>
@@ -17352,7 +17465,7 @@
           <a:p>
             <a:fld id="{20A48955-1B83-40AB-95F8-CC1276BC1BB9}" type="datetime1">
               <a:rPr lang="en-US" smtClean="0"/>
-              <a:t>10/12/2019</a:t>
+              <a:t>10/15/2019</a:t>
             </a:fld>
             <a:endParaRPr lang="en-US"/>
           </a:p>
@@ -18135,7 +18248,7 @@
           <a:p>
             <a:fld id="{A7B4CA80-82FE-4997-A77D-F31D0CC51302}" type="datetime1">
               <a:rPr lang="en-US" smtClean="0"/>
-              <a:t>10/12/2019</a:t>
+              <a:t>10/15/2019</a:t>
             </a:fld>
             <a:endParaRPr lang="en-US"/>
           </a:p>
@@ -18403,7 +18516,7 @@
           <a:p>
             <a:fld id="{EAC73632-520B-4EC2-AF3E-7324859C3387}" type="datetime1">
               <a:rPr lang="en-US" smtClean="0"/>
-              <a:t>10/12/2019</a:t>
+              <a:t>10/15/2019</a:t>
             </a:fld>
             <a:endParaRPr lang="en-US"/>
           </a:p>
@@ -18639,7 +18752,7 @@
           <a:p>
             <a:fld id="{11DB94CE-07FA-494E-82C1-255CD3005480}" type="datetime1">
               <a:rPr lang="en-US" smtClean="0"/>
-              <a:t>10/12/2019</a:t>
+              <a:t>10/15/2019</a:t>
             </a:fld>
             <a:endParaRPr lang="en-US"/>
           </a:p>
@@ -20070,7 +20183,7 @@
           <a:p>
             <a:fld id="{4E39856C-1BD5-4337-8B7B-F1ED9283FF62}" type="datetime1">
               <a:rPr lang="en-US" smtClean="0"/>
-              <a:t>10/12/2019</a:t>
+              <a:t>10/15/2019</a:t>
             </a:fld>
             <a:endParaRPr lang="en-US"/>
           </a:p>
@@ -20883,7 +20996,7 @@
           <a:p>
             <a:fld id="{DDC01CA0-4C8B-4259-BD3D-C8204E627151}" type="datetime1">
               <a:rPr lang="en-US" smtClean="0"/>
-              <a:t>10/12/2019</a:t>
+              <a:t>10/15/2019</a:t>
             </a:fld>
             <a:endParaRPr lang="en-US"/>
           </a:p>
